--- a/slides/03-orchestration.pptx
+++ b/slides/03-orchestration.pptx
@@ -4650,6 +4650,53 @@
           <a:chExt cx="0" cy="0"/>
         </a:xfrm>
       </p:grpSpPr>
+      <p:pic>
+        <p:nvPicPr>
+          <p:cNvPr id="2" name="Picture 2" descr="Image result for docker swarm logo">
+            <a:extLst>
+              <a:ext uri="{FF2B5EF4-FFF2-40B4-BE49-F238E27FC236}">
+                <a16:creationId xmlns:a16="http://schemas.microsoft.com/office/drawing/2014/main" id="{829BE41A-8096-4D4B-B96B-77C831852A86}"/>
+              </a:ext>
+            </a:extLst>
+          </p:cNvPr>
+          <p:cNvPicPr>
+            <a:picLocks noChangeAspect="1" noChangeArrowheads="1"/>
+          </p:cNvPicPr>
+          <p:nvPr/>
+        </p:nvPicPr>
+        <p:blipFill>
+          <a:blip r:embed="rId2">
+            <a:extLst>
+              <a:ext uri="{28A0092B-C50C-407E-A947-70E740481C1C}">
+                <a14:useLocalDpi xmlns:a14="http://schemas.microsoft.com/office/drawing/2010/main" val="0"/>
+              </a:ext>
+            </a:extLst>
+          </a:blip>
+          <a:srcRect/>
+          <a:stretch>
+            <a:fillRect/>
+          </a:stretch>
+        </p:blipFill>
+        <p:spPr bwMode="auto">
+          <a:xfrm>
+            <a:off x="2440325" y="57230"/>
+            <a:ext cx="1224777" cy="1206898"/>
+          </a:xfrm>
+          <a:prstGeom prst="rect">
+            <a:avLst/>
+          </a:prstGeom>
+          <a:noFill/>
+          <a:extLst>
+            <a:ext uri="{909E8E84-426E-40DD-AFC4-6F175D3DCCD1}">
+              <a14:hiddenFill xmlns:a14="http://schemas.microsoft.com/office/drawing/2010/main">
+                <a:solidFill>
+                  <a:srgbClr val="FFFFFF"/>
+                </a:solidFill>
+              </a14:hiddenFill>
+            </a:ext>
+          </a:extLst>
+        </p:spPr>
+      </p:pic>
       <p:cxnSp>
         <p:nvCxnSpPr>
           <p:cNvPr id="19" name="Straight Connector 18"/>
@@ -4740,7 +4787,7 @@
           <p:nvPr/>
         </p:nvPicPr>
         <p:blipFill>
-          <a:blip r:embed="rId2">
+          <a:blip r:embed="rId3">
             <a:extLst>
               <a:ext uri="{28A0092B-C50C-407E-A947-70E740481C1C}">
                 <a14:useLocalDpi xmlns:a14="http://schemas.microsoft.com/office/drawing/2010/main" val="0"/>
@@ -4770,7 +4817,7 @@
           <p:nvPr/>
         </p:nvPicPr>
         <p:blipFill>
-          <a:blip r:embed="rId2">
+          <a:blip r:embed="rId3">
             <a:extLst>
               <a:ext uri="{28A0092B-C50C-407E-A947-70E740481C1C}">
                 <a14:useLocalDpi xmlns:a14="http://schemas.microsoft.com/office/drawing/2010/main" val="0"/>
@@ -4806,7 +4853,7 @@
           <p:nvPr/>
         </p:nvPicPr>
         <p:blipFill>
-          <a:blip r:embed="rId3">
+          <a:blip r:embed="rId4">
             <a:extLst>
               <a:ext uri="{28A0092B-C50C-407E-A947-70E740481C1C}">
                 <a14:useLocalDpi xmlns:a14="http://schemas.microsoft.com/office/drawing/2010/main" val="0"/>
@@ -4820,8 +4867,8 @@
         </p:blipFill>
         <p:spPr bwMode="auto">
           <a:xfrm>
-            <a:off x="558563" y="57230"/>
-            <a:ext cx="1224786" cy="1192187"/>
+            <a:off x="659389" y="206626"/>
+            <a:ext cx="1022756" cy="995534"/>
           </a:xfrm>
           <a:prstGeom prst="rect">
             <a:avLst/>
@@ -4873,7 +4920,7 @@
             <p:nvPr/>
           </p:nvPicPr>
           <p:blipFill>
-            <a:blip r:embed="rId4">
+            <a:blip r:embed="rId5">
               <a:duotone>
                 <a:schemeClr val="bg2">
                   <a:shade val="45000"/>
@@ -4975,7 +5022,7 @@
             <p:nvPr/>
           </p:nvPicPr>
           <p:blipFill>
-            <a:blip r:embed="rId5">
+            <a:blip r:embed="rId6">
               <a:extLst>
                 <a:ext uri="{28A0092B-C50C-407E-A947-70E740481C1C}">
                   <a14:useLocalDpi xmlns:a14="http://schemas.microsoft.com/office/drawing/2010/main" val="0"/>
@@ -5043,7 +5090,7 @@
             <p:nvPr/>
           </p:nvPicPr>
           <p:blipFill>
-            <a:blip r:embed="rId4">
+            <a:blip r:embed="rId5">
               <a:duotone>
                 <a:schemeClr val="bg2">
                   <a:shade val="45000"/>
@@ -5145,7 +5192,7 @@
             <p:nvPr/>
           </p:nvPicPr>
           <p:blipFill>
-            <a:blip r:embed="rId5">
+            <a:blip r:embed="rId6">
               <a:extLst>
                 <a:ext uri="{28A0092B-C50C-407E-A947-70E740481C1C}">
                   <a14:useLocalDpi xmlns:a14="http://schemas.microsoft.com/office/drawing/2010/main" val="0"/>
@@ -5213,7 +5260,7 @@
             <p:nvPr/>
           </p:nvPicPr>
           <p:blipFill>
-            <a:blip r:embed="rId4">
+            <a:blip r:embed="rId5">
               <a:duotone>
                 <a:schemeClr val="bg2">
                   <a:shade val="45000"/>
@@ -5315,7 +5362,7 @@
             <p:nvPr/>
           </p:nvPicPr>
           <p:blipFill>
-            <a:blip r:embed="rId5">
+            <a:blip r:embed="rId6">
               <a:extLst>
                 <a:ext uri="{28A0092B-C50C-407E-A947-70E740481C1C}">
                   <a14:useLocalDpi xmlns:a14="http://schemas.microsoft.com/office/drawing/2010/main" val="0"/>
@@ -5363,7 +5410,7 @@
           <p:nvPr/>
         </p:nvPicPr>
         <p:blipFill>
-          <a:blip r:embed="rId6" cstate="print">
+          <a:blip r:embed="rId7" cstate="print">
             <a:extLst>
               <a:ext uri="{28A0092B-C50C-407E-A947-70E740481C1C}">
                 <a14:useLocalDpi xmlns:a14="http://schemas.microsoft.com/office/drawing/2010/main" val="0"/>
@@ -5376,8 +5423,8 @@
         </p:blipFill>
         <p:spPr>
           <a:xfrm>
-            <a:off x="3743070" y="4116098"/>
-            <a:ext cx="1352583" cy="942581"/>
+            <a:off x="3909270" y="4153849"/>
+            <a:ext cx="1186383" cy="826760"/>
           </a:xfrm>
           <a:prstGeom prst="rect">
             <a:avLst/>
@@ -5394,6 +5441,7 @@
             </a:extLst>
           </p:cNvPr>
           <p:cNvCxnSpPr>
+            <a:cxnSpLocks/>
             <a:stCxn id="44" idx="2"/>
             <a:endCxn id="47" idx="0"/>
           </p:cNvCxnSpPr>
@@ -5401,8 +5449,8 @@
         </p:nvCxnSpPr>
         <p:spPr>
           <a:xfrm rot="16200000" flipH="1">
-            <a:off x="2434911" y="2131647"/>
-            <a:ext cx="661128" cy="3307773"/>
+            <a:off x="2457586" y="2108972"/>
+            <a:ext cx="698879" cy="3390874"/>
           </a:xfrm>
           <a:prstGeom prst="curvedConnector3">
             <a:avLst/>
@@ -5449,8 +5497,8 @@
         </p:nvCxnSpPr>
         <p:spPr>
           <a:xfrm rot="16200000" flipH="1">
-            <a:off x="3213773" y="2910509"/>
-            <a:ext cx="659831" cy="1751347"/>
+            <a:off x="3236447" y="2887834"/>
+            <a:ext cx="697582" cy="1834447"/>
           </a:xfrm>
           <a:prstGeom prst="curvedConnector3">
             <a:avLst>
@@ -5499,8 +5547,8 @@
         </p:nvCxnSpPr>
         <p:spPr>
           <a:xfrm rot="16200000" flipH="1">
-            <a:off x="4001346" y="3698082"/>
-            <a:ext cx="659831" cy="176201"/>
+            <a:off x="4024020" y="3675407"/>
+            <a:ext cx="697582" cy="259301"/>
           </a:xfrm>
           <a:prstGeom prst="curvedConnector3">
             <a:avLst>
@@ -5549,8 +5597,8 @@
         </p:nvCxnSpPr>
         <p:spPr>
           <a:xfrm rot="5400000">
-            <a:off x="4896142" y="2997729"/>
-            <a:ext cx="641589" cy="1595148"/>
+            <a:off x="4918817" y="3058155"/>
+            <a:ext cx="679340" cy="1512049"/>
           </a:xfrm>
           <a:prstGeom prst="curvedConnector3">
             <a:avLst>
@@ -5599,8 +5647,8 @@
         </p:nvCxnSpPr>
         <p:spPr>
           <a:xfrm rot="5400000">
-            <a:off x="5711710" y="2182161"/>
-            <a:ext cx="641589" cy="3226285"/>
+            <a:off x="5734385" y="2242587"/>
+            <a:ext cx="679340" cy="3143185"/>
           </a:xfrm>
           <a:prstGeom prst="curvedConnector3">
             <a:avLst>
@@ -5670,50 +5718,6 @@
           </a:fontRef>
         </p:style>
       </p:cxnSp>
-      <p:sp>
-        <p:nvSpPr>
-          <p:cNvPr id="3" name="TextBox 2">
-            <a:extLst>
-              <a:ext uri="{FF2B5EF4-FFF2-40B4-BE49-F238E27FC236}">
-                <a16:creationId xmlns:a16="http://schemas.microsoft.com/office/drawing/2014/main" id="{4D45D012-88B7-4221-AC30-81795C3C02BD}"/>
-              </a:ext>
-            </a:extLst>
-          </p:cNvPr>
-          <p:cNvSpPr txBox="1"/>
-          <p:nvPr/>
-        </p:nvSpPr>
-        <p:spPr>
-          <a:xfrm>
-            <a:off x="2727382" y="432033"/>
-            <a:ext cx="572593" cy="250710"/>
-          </a:xfrm>
-          <a:prstGeom prst="rect">
-            <a:avLst/>
-          </a:prstGeom>
-          <a:solidFill>
-            <a:srgbClr val="FFFF00"/>
-          </a:solidFill>
-        </p:spPr>
-        <p:txBody>
-          <a:bodyPr wrap="none" rtlCol="0">
-            <a:spAutoFit/>
-          </a:bodyPr>
-          <a:lstStyle/>
-          <a:p>
-            <a:r>
-              <a:rPr lang="en-GB">
-                <a:latin typeface="Arial" panose="020B0604020202020204" pitchFamily="34" charset="0"/>
-                <a:cs typeface="Arial" panose="020B0604020202020204" pitchFamily="34" charset="0"/>
-              </a:rPr>
-              <a:t>swarm</a:t>
-            </a:r>
-            <a:endParaRPr lang="en-US" dirty="0">
-              <a:latin typeface="Arial" panose="020B0604020202020204" pitchFamily="34" charset="0"/>
-              <a:cs typeface="Arial" panose="020B0604020202020204" pitchFamily="34" charset="0"/>
-            </a:endParaRPr>
-          </a:p>
-        </p:txBody>
-      </p:sp>
     </p:spTree>
     <p:extLst>
       <p:ext uri="{BB962C8B-B14F-4D97-AF65-F5344CB8AC3E}">
@@ -6221,6 +6225,33 @@
                                   </p:childTnLst>
                                 </p:cTn>
                               </p:par>
+                              <p:par>
+                                <p:cTn id="43" presetID="1" presetClass="entr" presetSubtype="0" fill="hold" nodeType="withEffect">
+                                  <p:stCondLst>
+                                    <p:cond delay="0"/>
+                                  </p:stCondLst>
+                                  <p:childTnLst>
+                                    <p:set>
+                                      <p:cBhvr>
+                                        <p:cTn id="44" dur="1" fill="hold">
+                                          <p:stCondLst>
+                                            <p:cond delay="0"/>
+                                          </p:stCondLst>
+                                        </p:cTn>
+                                        <p:tgtEl>
+                                          <p:spTgt spid="2"/>
+                                        </p:tgtEl>
+                                        <p:attrNameLst>
+                                          <p:attrName>style.visibility</p:attrName>
+                                        </p:attrNameLst>
+                                      </p:cBhvr>
+                                      <p:to>
+                                        <p:strVal val="visible"/>
+                                      </p:to>
+                                    </p:set>
+                                  </p:childTnLst>
+                                </p:cTn>
+                              </p:par>
                             </p:childTnLst>
                           </p:cTn>
                         </p:par>
@@ -10214,6 +10245,150 @@
           </a:prstGeom>
         </p:spPr>
       </p:pic>
+      <p:sp>
+        <p:nvSpPr>
+          <p:cNvPr id="29" name="TextBox 28">
+            <a:extLst>
+              <a:ext uri="{FF2B5EF4-FFF2-40B4-BE49-F238E27FC236}">
+                <a16:creationId xmlns:a16="http://schemas.microsoft.com/office/drawing/2014/main" id="{C0583852-FF94-479A-AE09-59D69D51E079}"/>
+              </a:ext>
+            </a:extLst>
+          </p:cNvPr>
+          <p:cNvSpPr txBox="1"/>
+          <p:nvPr/>
+        </p:nvSpPr>
+        <p:spPr>
+          <a:xfrm>
+            <a:off x="4119514" y="4264494"/>
+            <a:ext cx="1643399" cy="338554"/>
+          </a:xfrm>
+          <a:prstGeom prst="rect">
+            <a:avLst/>
+          </a:prstGeom>
+          <a:noFill/>
+        </p:spPr>
+        <p:txBody>
+          <a:bodyPr wrap="none" rtlCol="0">
+            <a:spAutoFit/>
+          </a:bodyPr>
+          <a:lstStyle/>
+          <a:p>
+            <a:r>
+              <a:rPr lang="en-GB" sz="1600">
+                <a:solidFill>
+                  <a:srgbClr val="00188D"/>
+                </a:solidFill>
+                <a:latin typeface="Consolas" panose="020B0609020204030204" pitchFamily="49" charset="0"/>
+                <a:cs typeface="Arial" panose="020B0604020202020204" pitchFamily="34" charset="0"/>
+              </a:rPr>
+              <a:t>Configuration</a:t>
+            </a:r>
+            <a:endParaRPr lang="en-US" sz="1600" dirty="0">
+              <a:solidFill>
+                <a:srgbClr val="00188D"/>
+              </a:solidFill>
+              <a:latin typeface="Consolas" panose="020B0609020204030204" pitchFamily="49" charset="0"/>
+              <a:cs typeface="Arial" panose="020B0604020202020204" pitchFamily="34" charset="0"/>
+            </a:endParaRPr>
+          </a:p>
+        </p:txBody>
+      </p:sp>
+      <p:sp>
+        <p:nvSpPr>
+          <p:cNvPr id="30" name="TextBox 29">
+            <a:extLst>
+              <a:ext uri="{FF2B5EF4-FFF2-40B4-BE49-F238E27FC236}">
+                <a16:creationId xmlns:a16="http://schemas.microsoft.com/office/drawing/2014/main" id="{9BEE05A0-2A53-417F-BD3D-CA89EE86C473}"/>
+              </a:ext>
+            </a:extLst>
+          </p:cNvPr>
+          <p:cNvSpPr txBox="1"/>
+          <p:nvPr/>
+        </p:nvSpPr>
+        <p:spPr>
+          <a:xfrm>
+            <a:off x="1282841" y="4264493"/>
+            <a:ext cx="970137" cy="338554"/>
+          </a:xfrm>
+          <a:prstGeom prst="rect">
+            <a:avLst/>
+          </a:prstGeom>
+          <a:noFill/>
+        </p:spPr>
+        <p:txBody>
+          <a:bodyPr wrap="none" rtlCol="0">
+            <a:spAutoFit/>
+          </a:bodyPr>
+          <a:lstStyle/>
+          <a:p>
+            <a:r>
+              <a:rPr lang="en-GB" sz="1600">
+                <a:solidFill>
+                  <a:srgbClr val="00188D"/>
+                </a:solidFill>
+                <a:latin typeface="Consolas" panose="020B0609020204030204" pitchFamily="49" charset="0"/>
+                <a:cs typeface="Arial" panose="020B0604020202020204" pitchFamily="34" charset="0"/>
+              </a:rPr>
+              <a:t>Secrets</a:t>
+            </a:r>
+            <a:endParaRPr lang="en-US" sz="1600" dirty="0">
+              <a:solidFill>
+                <a:srgbClr val="00188D"/>
+              </a:solidFill>
+              <a:latin typeface="Consolas" panose="020B0609020204030204" pitchFamily="49" charset="0"/>
+              <a:cs typeface="Arial" panose="020B0604020202020204" pitchFamily="34" charset="0"/>
+            </a:endParaRPr>
+          </a:p>
+        </p:txBody>
+      </p:sp>
+      <p:sp>
+        <p:nvSpPr>
+          <p:cNvPr id="33" name="TextBox 32">
+            <a:extLst>
+              <a:ext uri="{FF2B5EF4-FFF2-40B4-BE49-F238E27FC236}">
+                <a16:creationId xmlns:a16="http://schemas.microsoft.com/office/drawing/2014/main" id="{267E43BB-EC1D-45B1-8991-4D2170901403}"/>
+              </a:ext>
+            </a:extLst>
+          </p:cNvPr>
+          <p:cNvSpPr txBox="1"/>
+          <p:nvPr/>
+        </p:nvSpPr>
+        <p:spPr>
+          <a:xfrm>
+            <a:off x="7424257" y="4264493"/>
+            <a:ext cx="745717" cy="338554"/>
+          </a:xfrm>
+          <a:prstGeom prst="rect">
+            <a:avLst/>
+          </a:prstGeom>
+          <a:noFill/>
+        </p:spPr>
+        <p:txBody>
+          <a:bodyPr wrap="none" rtlCol="0">
+            <a:spAutoFit/>
+          </a:bodyPr>
+          <a:lstStyle/>
+          <a:p>
+            <a:r>
+              <a:rPr lang="en-GB" sz="1600">
+                <a:solidFill>
+                  <a:srgbClr val="00188D"/>
+                </a:solidFill>
+                <a:latin typeface="Consolas" panose="020B0609020204030204" pitchFamily="49" charset="0"/>
+                <a:cs typeface="Arial" panose="020B0604020202020204" pitchFamily="34" charset="0"/>
+              </a:rPr>
+              <a:t>State</a:t>
+            </a:r>
+            <a:endParaRPr lang="en-US" sz="1600" dirty="0">
+              <a:solidFill>
+                <a:srgbClr val="00188D"/>
+              </a:solidFill>
+              <a:latin typeface="Consolas" panose="020B0609020204030204" pitchFamily="49" charset="0"/>
+              <a:cs typeface="Arial" panose="020B0604020202020204" pitchFamily="34" charset="0"/>
+            </a:endParaRPr>
+          </a:p>
+        </p:txBody>
+      </p:sp>
     </p:spTree>
     <p:extLst>
       <p:ext uri="{BB962C8B-B14F-4D97-AF65-F5344CB8AC3E}">
@@ -10298,6 +10473,33 @@
                                   </p:childTnLst>
                                 </p:cTn>
                               </p:par>
+                              <p:par>
+                                <p:cTn id="9" presetID="1" presetClass="entr" presetSubtype="0" fill="hold" grpId="0" nodeType="withEffect">
+                                  <p:stCondLst>
+                                    <p:cond delay="0"/>
+                                  </p:stCondLst>
+                                  <p:childTnLst>
+                                    <p:set>
+                                      <p:cBhvr>
+                                        <p:cTn id="10" dur="1" fill="hold">
+                                          <p:stCondLst>
+                                            <p:cond delay="0"/>
+                                          </p:stCondLst>
+                                        </p:cTn>
+                                        <p:tgtEl>
+                                          <p:spTgt spid="29"/>
+                                        </p:tgtEl>
+                                        <p:attrNameLst>
+                                          <p:attrName>style.visibility</p:attrName>
+                                        </p:attrNameLst>
+                                      </p:cBhvr>
+                                      <p:to>
+                                        <p:strVal val="visible"/>
+                                      </p:to>
+                                    </p:set>
+                                  </p:childTnLst>
+                                </p:cTn>
+                              </p:par>
                             </p:childTnLst>
                           </p:cTn>
                         </p:par>
@@ -10305,26 +10507,26 @@
                     </p:cTn>
                   </p:par>
                   <p:par>
-                    <p:cTn id="9" fill="hold">
+                    <p:cTn id="11" fill="hold">
                       <p:stCondLst>
                         <p:cond delay="indefinite"/>
                       </p:stCondLst>
                       <p:childTnLst>
                         <p:par>
-                          <p:cTn id="10" fill="hold">
+                          <p:cTn id="12" fill="hold">
                             <p:stCondLst>
                               <p:cond delay="0"/>
                             </p:stCondLst>
                             <p:childTnLst>
                               <p:par>
-                                <p:cTn id="11" presetID="1" presetClass="entr" presetSubtype="0" fill="hold" nodeType="clickEffect">
+                                <p:cTn id="13" presetID="1" presetClass="entr" presetSubtype="0" fill="hold" nodeType="clickEffect">
                                   <p:stCondLst>
                                     <p:cond delay="0"/>
                                   </p:stCondLst>
                                   <p:childTnLst>
                                     <p:set>
                                       <p:cBhvr>
-                                        <p:cTn id="12" dur="1" fill="hold">
+                                        <p:cTn id="14" dur="1" fill="hold">
                                           <p:stCondLst>
                                             <p:cond delay="0"/>
                                           </p:stCondLst>
@@ -10344,20 +10546,47 @@
                                 </p:cTn>
                               </p:par>
                               <p:par>
-                                <p:cTn id="13" presetID="1" presetClass="entr" presetSubtype="0" fill="hold" nodeType="withEffect">
+                                <p:cTn id="15" presetID="1" presetClass="entr" presetSubtype="0" fill="hold" nodeType="withEffect">
                                   <p:stCondLst>
                                     <p:cond delay="0"/>
                                   </p:stCondLst>
                                   <p:childTnLst>
                                     <p:set>
                                       <p:cBhvr>
-                                        <p:cTn id="14" dur="1" fill="hold">
+                                        <p:cTn id="16" dur="1" fill="hold">
                                           <p:stCondLst>
                                             <p:cond delay="0"/>
                                           </p:stCondLst>
                                         </p:cTn>
                                         <p:tgtEl>
                                           <p:spTgt spid="6"/>
+                                        </p:tgtEl>
+                                        <p:attrNameLst>
+                                          <p:attrName>style.visibility</p:attrName>
+                                        </p:attrNameLst>
+                                      </p:cBhvr>
+                                      <p:to>
+                                        <p:strVal val="visible"/>
+                                      </p:to>
+                                    </p:set>
+                                  </p:childTnLst>
+                                </p:cTn>
+                              </p:par>
+                              <p:par>
+                                <p:cTn id="17" presetID="1" presetClass="entr" presetSubtype="0" fill="hold" grpId="0" nodeType="withEffect">
+                                  <p:stCondLst>
+                                    <p:cond delay="0"/>
+                                  </p:stCondLst>
+                                  <p:childTnLst>
+                                    <p:set>
+                                      <p:cBhvr>
+                                        <p:cTn id="18" dur="1" fill="hold">
+                                          <p:stCondLst>
+                                            <p:cond delay="0"/>
+                                          </p:stCondLst>
+                                        </p:cTn>
+                                        <p:tgtEl>
+                                          <p:spTgt spid="30"/>
                                         </p:tgtEl>
                                         <p:attrNameLst>
                                           <p:attrName>style.visibility</p:attrName>
@@ -10377,26 +10606,26 @@
                     </p:cTn>
                   </p:par>
                   <p:par>
-                    <p:cTn id="15" fill="hold">
+                    <p:cTn id="19" fill="hold">
                       <p:stCondLst>
                         <p:cond delay="indefinite"/>
                       </p:stCondLst>
                       <p:childTnLst>
                         <p:par>
-                          <p:cTn id="16" fill="hold">
+                          <p:cTn id="20" fill="hold">
                             <p:stCondLst>
                               <p:cond delay="0"/>
                             </p:stCondLst>
                             <p:childTnLst>
                               <p:par>
-                                <p:cTn id="17" presetID="1" presetClass="entr" presetSubtype="0" fill="hold" nodeType="clickEffect">
+                                <p:cTn id="21" presetID="1" presetClass="entr" presetSubtype="0" fill="hold" nodeType="clickEffect">
                                   <p:stCondLst>
                                     <p:cond delay="0"/>
                                   </p:stCondLst>
                                   <p:childTnLst>
                                     <p:set>
                                       <p:cBhvr>
-                                        <p:cTn id="18" dur="1" fill="hold">
+                                        <p:cTn id="22" dur="1" fill="hold">
                                           <p:stCondLst>
                                             <p:cond delay="0"/>
                                           </p:stCondLst>
@@ -10416,14 +10645,14 @@
                                 </p:cTn>
                               </p:par>
                               <p:par>
-                                <p:cTn id="19" presetID="1" presetClass="entr" presetSubtype="0" fill="hold" nodeType="withEffect">
+                                <p:cTn id="23" presetID="1" presetClass="entr" presetSubtype="0" fill="hold" nodeType="withEffect">
                                   <p:stCondLst>
                                     <p:cond delay="0"/>
                                   </p:stCondLst>
                                   <p:childTnLst>
                                     <p:set>
                                       <p:cBhvr>
-                                        <p:cTn id="20" dur="1" fill="hold">
+                                        <p:cTn id="24" dur="1" fill="hold">
                                           <p:stCondLst>
                                             <p:cond delay="0"/>
                                           </p:stCondLst>
@@ -10443,20 +10672,47 @@
                                 </p:cTn>
                               </p:par>
                               <p:par>
-                                <p:cTn id="21" presetID="1" presetClass="entr" presetSubtype="0" fill="hold" nodeType="withEffect">
+                                <p:cTn id="25" presetID="1" presetClass="entr" presetSubtype="0" fill="hold" nodeType="withEffect">
                                   <p:stCondLst>
                                     <p:cond delay="0"/>
                                   </p:stCondLst>
                                   <p:childTnLst>
                                     <p:set>
                                       <p:cBhvr>
-                                        <p:cTn id="22" dur="1" fill="hold">
+                                        <p:cTn id="26" dur="1" fill="hold">
                                           <p:stCondLst>
                                             <p:cond delay="0"/>
                                           </p:stCondLst>
                                         </p:cTn>
                                         <p:tgtEl>
                                           <p:spTgt spid="35"/>
+                                        </p:tgtEl>
+                                        <p:attrNameLst>
+                                          <p:attrName>style.visibility</p:attrName>
+                                        </p:attrNameLst>
+                                      </p:cBhvr>
+                                      <p:to>
+                                        <p:strVal val="visible"/>
+                                      </p:to>
+                                    </p:set>
+                                  </p:childTnLst>
+                                </p:cTn>
+                              </p:par>
+                              <p:par>
+                                <p:cTn id="27" presetID="1" presetClass="entr" presetSubtype="0" fill="hold" grpId="0" nodeType="withEffect">
+                                  <p:stCondLst>
+                                    <p:cond delay="0"/>
+                                  </p:stCondLst>
+                                  <p:childTnLst>
+                                    <p:set>
+                                      <p:cBhvr>
+                                        <p:cTn id="28" dur="1" fill="hold">
+                                          <p:stCondLst>
+                                            <p:cond delay="0"/>
+                                          </p:stCondLst>
+                                        </p:cTn>
+                                        <p:tgtEl>
+                                          <p:spTgt spid="33"/>
                                         </p:tgtEl>
                                         <p:attrNameLst>
                                           <p:attrName>style.visibility</p:attrName>
@@ -10496,6 +10752,11 @@
         </p:cTn>
       </p:par>
     </p:tnLst>
+    <p:bldLst>
+      <p:bldP spid="29" grpId="0"/>
+      <p:bldP spid="30" grpId="0"/>
+      <p:bldP spid="33" grpId="0"/>
+    </p:bldLst>
   </p:timing>
 </p:sld>
 </file>
